--- a/figures/Chapter 2 - Introductory Data Structures/2.8 Stacks.pptx
+++ b/figures/Chapter 2 - Introductory Data Structures/2.8 Stacks.pptx
@@ -155,10 +155,9 @@
           </a:lstStyle>
           <a:p>
             <a:r>
-              <a:rPr lang="en-US" smtClean="0"/>
+              <a:rPr lang="en-US"/>
               <a:t>Click to edit Master title style</a:t>
             </a:r>
-            <a:endParaRPr lang="en-US"/>
           </a:p>
         </p:txBody>
       </p:sp>
@@ -220,10 +219,9 @@
           </a:lstStyle>
           <a:p>
             <a:r>
-              <a:rPr lang="en-US" smtClean="0"/>
+              <a:rPr lang="en-US"/>
               <a:t>Click to edit Master subtitle style</a:t>
             </a:r>
-            <a:endParaRPr lang="en-US"/>
           </a:p>
         </p:txBody>
       </p:sp>
@@ -244,7 +242,7 @@
           <a:p>
             <a:fld id="{5F8C1D27-7054-4C6B-8816-BEAA3AD2E28B}" type="datetimeFigureOut">
               <a:rPr lang="en-US" smtClean="0"/>
-              <a:t>9/14/16</a:t>
+              <a:t>5/8/18</a:t>
             </a:fld>
             <a:endParaRPr lang="en-US"/>
           </a:p>
@@ -338,10 +336,9 @@
           <a:lstStyle/>
           <a:p>
             <a:r>
-              <a:rPr lang="en-US" smtClean="0"/>
+              <a:rPr lang="en-US"/>
               <a:t>Click to edit Master title style</a:t>
             </a:r>
-            <a:endParaRPr lang="en-US"/>
           </a:p>
         </p:txBody>
       </p:sp>
@@ -362,38 +359,37 @@
           <a:p>
             <a:pPr lvl="0"/>
             <a:r>
-              <a:rPr lang="en-US" smtClean="0"/>
+              <a:rPr lang="en-US"/>
               <a:t>Click to edit Master text styles</a:t>
             </a:r>
           </a:p>
           <a:p>
             <a:pPr lvl="1"/>
             <a:r>
-              <a:rPr lang="en-US" smtClean="0"/>
+              <a:rPr lang="en-US"/>
               <a:t>Second level</a:t>
             </a:r>
           </a:p>
           <a:p>
             <a:pPr lvl="2"/>
             <a:r>
-              <a:rPr lang="en-US" smtClean="0"/>
+              <a:rPr lang="en-US"/>
               <a:t>Third level</a:t>
             </a:r>
           </a:p>
           <a:p>
             <a:pPr lvl="3"/>
             <a:r>
-              <a:rPr lang="en-US" smtClean="0"/>
+              <a:rPr lang="en-US"/>
               <a:t>Fourth level</a:t>
             </a:r>
           </a:p>
           <a:p>
             <a:pPr lvl="4"/>
             <a:r>
-              <a:rPr lang="en-US" smtClean="0"/>
+              <a:rPr lang="en-US"/>
               <a:t>Fifth level</a:t>
             </a:r>
-            <a:endParaRPr lang="en-US"/>
           </a:p>
         </p:txBody>
       </p:sp>
@@ -414,7 +410,7 @@
           <a:p>
             <a:fld id="{5F8C1D27-7054-4C6B-8816-BEAA3AD2E28B}" type="datetimeFigureOut">
               <a:rPr lang="en-US" smtClean="0"/>
-              <a:t>9/14/16</a:t>
+              <a:t>5/8/18</a:t>
             </a:fld>
             <a:endParaRPr lang="en-US"/>
           </a:p>
@@ -513,10 +509,9 @@
           <a:lstStyle/>
           <a:p>
             <a:r>
-              <a:rPr lang="en-US" smtClean="0"/>
+              <a:rPr lang="en-US"/>
               <a:t>Click to edit Master title style</a:t>
             </a:r>
-            <a:endParaRPr lang="en-US"/>
           </a:p>
         </p:txBody>
       </p:sp>
@@ -542,38 +537,37 @@
           <a:p>
             <a:pPr lvl="0"/>
             <a:r>
-              <a:rPr lang="en-US" smtClean="0"/>
+              <a:rPr lang="en-US"/>
               <a:t>Click to edit Master text styles</a:t>
             </a:r>
           </a:p>
           <a:p>
             <a:pPr lvl="1"/>
             <a:r>
-              <a:rPr lang="en-US" smtClean="0"/>
+              <a:rPr lang="en-US"/>
               <a:t>Second level</a:t>
             </a:r>
           </a:p>
           <a:p>
             <a:pPr lvl="2"/>
             <a:r>
-              <a:rPr lang="en-US" smtClean="0"/>
+              <a:rPr lang="en-US"/>
               <a:t>Third level</a:t>
             </a:r>
           </a:p>
           <a:p>
             <a:pPr lvl="3"/>
             <a:r>
-              <a:rPr lang="en-US" smtClean="0"/>
+              <a:rPr lang="en-US"/>
               <a:t>Fourth level</a:t>
             </a:r>
           </a:p>
           <a:p>
             <a:pPr lvl="4"/>
             <a:r>
-              <a:rPr lang="en-US" smtClean="0"/>
+              <a:rPr lang="en-US"/>
               <a:t>Fifth level</a:t>
             </a:r>
-            <a:endParaRPr lang="en-US"/>
           </a:p>
         </p:txBody>
       </p:sp>
@@ -594,7 +588,7 @@
           <a:p>
             <a:fld id="{5F8C1D27-7054-4C6B-8816-BEAA3AD2E28B}" type="datetimeFigureOut">
               <a:rPr lang="en-US" smtClean="0"/>
-              <a:t>9/14/16</a:t>
+              <a:t>5/8/18</a:t>
             </a:fld>
             <a:endParaRPr lang="en-US"/>
           </a:p>
@@ -688,10 +682,9 @@
           <a:lstStyle/>
           <a:p>
             <a:r>
-              <a:rPr lang="en-US" smtClean="0"/>
+              <a:rPr lang="en-US"/>
               <a:t>Click to edit Master title style</a:t>
             </a:r>
-            <a:endParaRPr lang="en-US"/>
           </a:p>
         </p:txBody>
       </p:sp>
@@ -712,38 +705,37 @@
           <a:p>
             <a:pPr lvl="0"/>
             <a:r>
-              <a:rPr lang="en-US" smtClean="0"/>
+              <a:rPr lang="en-US"/>
               <a:t>Click to edit Master text styles</a:t>
             </a:r>
           </a:p>
           <a:p>
             <a:pPr lvl="1"/>
             <a:r>
-              <a:rPr lang="en-US" smtClean="0"/>
+              <a:rPr lang="en-US"/>
               <a:t>Second level</a:t>
             </a:r>
           </a:p>
           <a:p>
             <a:pPr lvl="2"/>
             <a:r>
-              <a:rPr lang="en-US" smtClean="0"/>
+              <a:rPr lang="en-US"/>
               <a:t>Third level</a:t>
             </a:r>
           </a:p>
           <a:p>
             <a:pPr lvl="3"/>
             <a:r>
-              <a:rPr lang="en-US" smtClean="0"/>
+              <a:rPr lang="en-US"/>
               <a:t>Fourth level</a:t>
             </a:r>
           </a:p>
           <a:p>
             <a:pPr lvl="4"/>
             <a:r>
-              <a:rPr lang="en-US" smtClean="0"/>
+              <a:rPr lang="en-US"/>
               <a:t>Fifth level</a:t>
             </a:r>
-            <a:endParaRPr lang="en-US"/>
           </a:p>
         </p:txBody>
       </p:sp>
@@ -764,7 +756,7 @@
           <a:p>
             <a:fld id="{5F8C1D27-7054-4C6B-8816-BEAA3AD2E28B}" type="datetimeFigureOut">
               <a:rPr lang="en-US" smtClean="0"/>
-              <a:t>9/14/16</a:t>
+              <a:t>5/8/18</a:t>
             </a:fld>
             <a:endParaRPr lang="en-US"/>
           </a:p>
@@ -867,10 +859,9 @@
           </a:lstStyle>
           <a:p>
             <a:r>
-              <a:rPr lang="en-US" smtClean="0"/>
+              <a:rPr lang="en-US"/>
               <a:t>Click to edit Master title style</a:t>
             </a:r>
-            <a:endParaRPr lang="en-US"/>
           </a:p>
         </p:txBody>
       </p:sp>
@@ -987,7 +978,7 @@
           <a:p>
             <a:pPr lvl="0"/>
             <a:r>
-              <a:rPr lang="en-US" smtClean="0"/>
+              <a:rPr lang="en-US"/>
               <a:t>Click to edit Master text styles</a:t>
             </a:r>
           </a:p>
@@ -1010,7 +1001,7 @@
           <a:p>
             <a:fld id="{5F8C1D27-7054-4C6B-8816-BEAA3AD2E28B}" type="datetimeFigureOut">
               <a:rPr lang="en-US" smtClean="0"/>
-              <a:t>9/14/16</a:t>
+              <a:t>5/8/18</a:t>
             </a:fld>
             <a:endParaRPr lang="en-US"/>
           </a:p>
@@ -1104,10 +1095,9 @@
           <a:lstStyle/>
           <a:p>
             <a:r>
-              <a:rPr lang="en-US" smtClean="0"/>
+              <a:rPr lang="en-US"/>
               <a:t>Click to edit Master title style</a:t>
             </a:r>
-            <a:endParaRPr lang="en-US"/>
           </a:p>
         </p:txBody>
       </p:sp>
@@ -1133,38 +1123,37 @@
           <a:p>
             <a:pPr lvl="0"/>
             <a:r>
-              <a:rPr lang="en-US" smtClean="0"/>
+              <a:rPr lang="en-US"/>
               <a:t>Click to edit Master text styles</a:t>
             </a:r>
           </a:p>
           <a:p>
             <a:pPr lvl="1"/>
             <a:r>
-              <a:rPr lang="en-US" smtClean="0"/>
+              <a:rPr lang="en-US"/>
               <a:t>Second level</a:t>
             </a:r>
           </a:p>
           <a:p>
             <a:pPr lvl="2"/>
             <a:r>
-              <a:rPr lang="en-US" smtClean="0"/>
+              <a:rPr lang="en-US"/>
               <a:t>Third level</a:t>
             </a:r>
           </a:p>
           <a:p>
             <a:pPr lvl="3"/>
             <a:r>
-              <a:rPr lang="en-US" smtClean="0"/>
+              <a:rPr lang="en-US"/>
               <a:t>Fourth level</a:t>
             </a:r>
           </a:p>
           <a:p>
             <a:pPr lvl="4"/>
             <a:r>
-              <a:rPr lang="en-US" smtClean="0"/>
+              <a:rPr lang="en-US"/>
               <a:t>Fifth level</a:t>
             </a:r>
-            <a:endParaRPr lang="en-US"/>
           </a:p>
         </p:txBody>
       </p:sp>
@@ -1190,38 +1179,37 @@
           <a:p>
             <a:pPr lvl="0"/>
             <a:r>
-              <a:rPr lang="en-US" smtClean="0"/>
+              <a:rPr lang="en-US"/>
               <a:t>Click to edit Master text styles</a:t>
             </a:r>
           </a:p>
           <a:p>
             <a:pPr lvl="1"/>
             <a:r>
-              <a:rPr lang="en-US" smtClean="0"/>
+              <a:rPr lang="en-US"/>
               <a:t>Second level</a:t>
             </a:r>
           </a:p>
           <a:p>
             <a:pPr lvl="2"/>
             <a:r>
-              <a:rPr lang="en-US" smtClean="0"/>
+              <a:rPr lang="en-US"/>
               <a:t>Third level</a:t>
             </a:r>
           </a:p>
           <a:p>
             <a:pPr lvl="3"/>
             <a:r>
-              <a:rPr lang="en-US" smtClean="0"/>
+              <a:rPr lang="en-US"/>
               <a:t>Fourth level</a:t>
             </a:r>
           </a:p>
           <a:p>
             <a:pPr lvl="4"/>
             <a:r>
-              <a:rPr lang="en-US" smtClean="0"/>
+              <a:rPr lang="en-US"/>
               <a:t>Fifth level</a:t>
             </a:r>
-            <a:endParaRPr lang="en-US"/>
           </a:p>
         </p:txBody>
       </p:sp>
@@ -1242,7 +1230,7 @@
           <a:p>
             <a:fld id="{5F8C1D27-7054-4C6B-8816-BEAA3AD2E28B}" type="datetimeFigureOut">
               <a:rPr lang="en-US" smtClean="0"/>
-              <a:t>9/14/16</a:t>
+              <a:t>5/8/18</a:t>
             </a:fld>
             <a:endParaRPr lang="en-US"/>
           </a:p>
@@ -1341,10 +1329,9 @@
           <a:lstStyle/>
           <a:p>
             <a:r>
-              <a:rPr lang="en-US" smtClean="0"/>
+              <a:rPr lang="en-US"/>
               <a:t>Click to edit Master title style</a:t>
             </a:r>
-            <a:endParaRPr lang="en-US"/>
           </a:p>
         </p:txBody>
       </p:sp>
@@ -1407,7 +1394,7 @@
           <a:p>
             <a:pPr lvl="0"/>
             <a:r>
-              <a:rPr lang="en-US" smtClean="0"/>
+              <a:rPr lang="en-US"/>
               <a:t>Click to edit Master text styles</a:t>
             </a:r>
           </a:p>
@@ -1435,38 +1422,37 @@
           <a:p>
             <a:pPr lvl="0"/>
             <a:r>
-              <a:rPr lang="en-US" smtClean="0"/>
+              <a:rPr lang="en-US"/>
               <a:t>Click to edit Master text styles</a:t>
             </a:r>
           </a:p>
           <a:p>
             <a:pPr lvl="1"/>
             <a:r>
-              <a:rPr lang="en-US" smtClean="0"/>
+              <a:rPr lang="en-US"/>
               <a:t>Second level</a:t>
             </a:r>
           </a:p>
           <a:p>
             <a:pPr lvl="2"/>
             <a:r>
-              <a:rPr lang="en-US" smtClean="0"/>
+              <a:rPr lang="en-US"/>
               <a:t>Third level</a:t>
             </a:r>
           </a:p>
           <a:p>
             <a:pPr lvl="3"/>
             <a:r>
-              <a:rPr lang="en-US" smtClean="0"/>
+              <a:rPr lang="en-US"/>
               <a:t>Fourth level</a:t>
             </a:r>
           </a:p>
           <a:p>
             <a:pPr lvl="4"/>
             <a:r>
-              <a:rPr lang="en-US" smtClean="0"/>
+              <a:rPr lang="en-US"/>
               <a:t>Fifth level</a:t>
             </a:r>
-            <a:endParaRPr lang="en-US"/>
           </a:p>
         </p:txBody>
       </p:sp>
@@ -1529,7 +1515,7 @@
           <a:p>
             <a:pPr lvl="0"/>
             <a:r>
-              <a:rPr lang="en-US" smtClean="0"/>
+              <a:rPr lang="en-US"/>
               <a:t>Click to edit Master text styles</a:t>
             </a:r>
           </a:p>
@@ -1557,38 +1543,37 @@
           <a:p>
             <a:pPr lvl="0"/>
             <a:r>
-              <a:rPr lang="en-US" smtClean="0"/>
+              <a:rPr lang="en-US"/>
               <a:t>Click to edit Master text styles</a:t>
             </a:r>
           </a:p>
           <a:p>
             <a:pPr lvl="1"/>
             <a:r>
-              <a:rPr lang="en-US" smtClean="0"/>
+              <a:rPr lang="en-US"/>
               <a:t>Second level</a:t>
             </a:r>
           </a:p>
           <a:p>
             <a:pPr lvl="2"/>
             <a:r>
-              <a:rPr lang="en-US" smtClean="0"/>
+              <a:rPr lang="en-US"/>
               <a:t>Third level</a:t>
             </a:r>
           </a:p>
           <a:p>
             <a:pPr lvl="3"/>
             <a:r>
-              <a:rPr lang="en-US" smtClean="0"/>
+              <a:rPr lang="en-US"/>
               <a:t>Fourth level</a:t>
             </a:r>
           </a:p>
           <a:p>
             <a:pPr lvl="4"/>
             <a:r>
-              <a:rPr lang="en-US" smtClean="0"/>
+              <a:rPr lang="en-US"/>
               <a:t>Fifth level</a:t>
             </a:r>
-            <a:endParaRPr lang="en-US"/>
           </a:p>
         </p:txBody>
       </p:sp>
@@ -1609,7 +1594,7 @@
           <a:p>
             <a:fld id="{5F8C1D27-7054-4C6B-8816-BEAA3AD2E28B}" type="datetimeFigureOut">
               <a:rPr lang="en-US" smtClean="0"/>
-              <a:t>9/14/16</a:t>
+              <a:t>5/8/18</a:t>
             </a:fld>
             <a:endParaRPr lang="en-US"/>
           </a:p>
@@ -1703,10 +1688,9 @@
           <a:lstStyle/>
           <a:p>
             <a:r>
-              <a:rPr lang="en-US" smtClean="0"/>
+              <a:rPr lang="en-US"/>
               <a:t>Click to edit Master title style</a:t>
             </a:r>
-            <a:endParaRPr lang="en-US"/>
           </a:p>
         </p:txBody>
       </p:sp>
@@ -1727,7 +1711,7 @@
           <a:p>
             <a:fld id="{5F8C1D27-7054-4C6B-8816-BEAA3AD2E28B}" type="datetimeFigureOut">
               <a:rPr lang="en-US" smtClean="0"/>
-              <a:t>9/14/16</a:t>
+              <a:t>5/8/18</a:t>
             </a:fld>
             <a:endParaRPr lang="en-US"/>
           </a:p>
@@ -1822,7 +1806,7 @@
           <a:p>
             <a:fld id="{5F8C1D27-7054-4C6B-8816-BEAA3AD2E28B}" type="datetimeFigureOut">
               <a:rPr lang="en-US" smtClean="0"/>
-              <a:t>9/14/16</a:t>
+              <a:t>5/8/18</a:t>
             </a:fld>
             <a:endParaRPr lang="en-US"/>
           </a:p>
@@ -1925,10 +1909,9 @@
           </a:lstStyle>
           <a:p>
             <a:r>
-              <a:rPr lang="en-US" smtClean="0"/>
+              <a:rPr lang="en-US"/>
               <a:t>Click to edit Master title style</a:t>
             </a:r>
-            <a:endParaRPr lang="en-US"/>
           </a:p>
         </p:txBody>
       </p:sp>
@@ -1982,38 +1965,37 @@
           <a:p>
             <a:pPr lvl="0"/>
             <a:r>
-              <a:rPr lang="en-US" smtClean="0"/>
+              <a:rPr lang="en-US"/>
               <a:t>Click to edit Master text styles</a:t>
             </a:r>
           </a:p>
           <a:p>
             <a:pPr lvl="1"/>
             <a:r>
-              <a:rPr lang="en-US" smtClean="0"/>
+              <a:rPr lang="en-US"/>
               <a:t>Second level</a:t>
             </a:r>
           </a:p>
           <a:p>
             <a:pPr lvl="2"/>
             <a:r>
-              <a:rPr lang="en-US" smtClean="0"/>
+              <a:rPr lang="en-US"/>
               <a:t>Third level</a:t>
             </a:r>
           </a:p>
           <a:p>
             <a:pPr lvl="3"/>
             <a:r>
-              <a:rPr lang="en-US" smtClean="0"/>
+              <a:rPr lang="en-US"/>
               <a:t>Fourth level</a:t>
             </a:r>
           </a:p>
           <a:p>
             <a:pPr lvl="4"/>
             <a:r>
-              <a:rPr lang="en-US" smtClean="0"/>
+              <a:rPr lang="en-US"/>
               <a:t>Fifth level</a:t>
             </a:r>
-            <a:endParaRPr lang="en-US"/>
           </a:p>
         </p:txBody>
       </p:sp>
@@ -2076,7 +2058,7 @@
           <a:p>
             <a:pPr lvl="0"/>
             <a:r>
-              <a:rPr lang="en-US" smtClean="0"/>
+              <a:rPr lang="en-US"/>
               <a:t>Click to edit Master text styles</a:t>
             </a:r>
           </a:p>
@@ -2099,7 +2081,7 @@
           <a:p>
             <a:fld id="{5F8C1D27-7054-4C6B-8816-BEAA3AD2E28B}" type="datetimeFigureOut">
               <a:rPr lang="en-US" smtClean="0"/>
-              <a:t>9/14/16</a:t>
+              <a:t>5/8/18</a:t>
             </a:fld>
             <a:endParaRPr lang="en-US"/>
           </a:p>
@@ -2202,10 +2184,9 @@
           </a:lstStyle>
           <a:p>
             <a:r>
-              <a:rPr lang="en-US" smtClean="0"/>
+              <a:rPr lang="en-US"/>
               <a:t>Click to edit Master title style</a:t>
             </a:r>
-            <a:endParaRPr lang="en-US"/>
           </a:p>
         </p:txBody>
       </p:sp>
@@ -2329,7 +2310,7 @@
           <a:p>
             <a:pPr lvl="0"/>
             <a:r>
-              <a:rPr lang="en-US" smtClean="0"/>
+              <a:rPr lang="en-US"/>
               <a:t>Click to edit Master text styles</a:t>
             </a:r>
           </a:p>
@@ -2352,7 +2333,7 @@
           <a:p>
             <a:fld id="{5F8C1D27-7054-4C6B-8816-BEAA3AD2E28B}" type="datetimeFigureOut">
               <a:rPr lang="en-US" smtClean="0"/>
-              <a:t>9/14/16</a:t>
+              <a:t>5/8/18</a:t>
             </a:fld>
             <a:endParaRPr lang="en-US"/>
           </a:p>
@@ -2461,10 +2442,9 @@
           <a:lstStyle/>
           <a:p>
             <a:r>
-              <a:rPr lang="en-US" smtClean="0"/>
+              <a:rPr lang="en-US"/>
               <a:t>Click to edit Master title style</a:t>
             </a:r>
-            <a:endParaRPr lang="en-US"/>
           </a:p>
         </p:txBody>
       </p:sp>
@@ -2495,38 +2475,37 @@
           <a:p>
             <a:pPr lvl="0"/>
             <a:r>
-              <a:rPr lang="en-US" smtClean="0"/>
+              <a:rPr lang="en-US"/>
               <a:t>Click to edit Master text styles</a:t>
             </a:r>
           </a:p>
           <a:p>
             <a:pPr lvl="1"/>
             <a:r>
-              <a:rPr lang="en-US" smtClean="0"/>
+              <a:rPr lang="en-US"/>
               <a:t>Second level</a:t>
             </a:r>
           </a:p>
           <a:p>
             <a:pPr lvl="2"/>
             <a:r>
-              <a:rPr lang="en-US" smtClean="0"/>
+              <a:rPr lang="en-US"/>
               <a:t>Third level</a:t>
             </a:r>
           </a:p>
           <a:p>
             <a:pPr lvl="3"/>
             <a:r>
-              <a:rPr lang="en-US" smtClean="0"/>
+              <a:rPr lang="en-US"/>
               <a:t>Fourth level</a:t>
             </a:r>
           </a:p>
           <a:p>
             <a:pPr lvl="4"/>
             <a:r>
-              <a:rPr lang="en-US" smtClean="0"/>
+              <a:rPr lang="en-US"/>
               <a:t>Fifth level</a:t>
             </a:r>
-            <a:endParaRPr lang="en-US"/>
           </a:p>
         </p:txBody>
       </p:sp>
@@ -2565,7 +2544,7 @@
           <a:p>
             <a:fld id="{5F8C1D27-7054-4C6B-8816-BEAA3AD2E28B}" type="datetimeFigureOut">
               <a:rPr lang="en-US" smtClean="0"/>
-              <a:t>9/14/16</a:t>
+              <a:t>5/8/18</a:t>
             </a:fld>
             <a:endParaRPr lang="en-US"/>
           </a:p>
@@ -2993,10 +2972,9 @@
           <a:lstStyle/>
           <a:p>
             <a:r>
-              <a:rPr lang="en-US" sz="3200" b="1" dirty="0" smtClean="0"/>
+              <a:rPr lang="en-US" sz="3200" b="1" dirty="0"/>
               <a:t>STACK:   &lt;empty&gt;</a:t>
             </a:r>
-            <a:endParaRPr lang="en-US" sz="3200" b="1" dirty="0"/>
           </a:p>
         </p:txBody>
       </p:sp>
@@ -3024,10 +3002,9 @@
           <a:p>
             <a:pPr algn="r"/>
             <a:r>
-              <a:rPr lang="en-US" sz="2400" dirty="0" smtClean="0"/>
+              <a:rPr lang="en-US" sz="2400" dirty="0"/>
               <a:t>Initialize stack</a:t>
             </a:r>
-            <a:endParaRPr lang="en-US" sz="2400" dirty="0"/>
           </a:p>
         </p:txBody>
       </p:sp>
@@ -3054,17 +3031,222 @@
           <a:lstStyle/>
           <a:p>
             <a:r>
-              <a:rPr lang="en-US" sz="3200" b="1" dirty="0" smtClean="0"/>
+              <a:rPr lang="en-US" sz="3200" b="1" dirty="0"/>
               <a:t>STACK:   </a:t>
             </a:r>
             <a:r>
-              <a:rPr lang="en-US" sz="3200" b="1" dirty="0" smtClean="0">
+              <a:rPr lang="en-US" sz="3200" b="1" dirty="0">
                 <a:solidFill>
                   <a:srgbClr val="00B050"/>
                 </a:solidFill>
               </a:rPr>
               <a:t>A</a:t>
             </a:r>
+          </a:p>
+        </p:txBody>
+      </p:sp>
+      <p:sp>
+        <p:nvSpPr>
+          <p:cNvPr id="8" name="TextBox 7"/>
+          <p:cNvSpPr txBox="1"/>
+          <p:nvPr/>
+        </p:nvSpPr>
+        <p:spPr>
+          <a:xfrm>
+            <a:off x="2253805" y="1259450"/>
+            <a:ext cx="1867436" cy="461665"/>
+          </a:xfrm>
+          <a:prstGeom prst="rect">
+            <a:avLst/>
+          </a:prstGeom>
+          <a:noFill/>
+        </p:spPr>
+        <p:txBody>
+          <a:bodyPr wrap="square" rtlCol="0">
+            <a:spAutoFit/>
+          </a:bodyPr>
+          <a:lstStyle/>
+          <a:p>
+            <a:pPr algn="r"/>
+            <a:r>
+              <a:rPr lang="en-US" sz="2400" dirty="0"/>
+              <a:t>Push </a:t>
+            </a:r>
+            <a:r>
+              <a:rPr lang="en-US" sz="2400" b="1" dirty="0"/>
+              <a:t>A</a:t>
+            </a:r>
+          </a:p>
+        </p:txBody>
+      </p:sp>
+      <p:sp>
+        <p:nvSpPr>
+          <p:cNvPr id="9" name="TextBox 8"/>
+          <p:cNvSpPr txBox="1"/>
+          <p:nvPr/>
+        </p:nvSpPr>
+        <p:spPr>
+          <a:xfrm>
+            <a:off x="4700790" y="1905823"/>
+            <a:ext cx="6027312" cy="584775"/>
+          </a:xfrm>
+          <a:prstGeom prst="rect">
+            <a:avLst/>
+          </a:prstGeom>
+          <a:noFill/>
+        </p:spPr>
+        <p:txBody>
+          <a:bodyPr wrap="square" rtlCol="0">
+            <a:spAutoFit/>
+          </a:bodyPr>
+          <a:lstStyle/>
+          <a:p>
+            <a:r>
+              <a:rPr lang="en-US" sz="3200" b="1" dirty="0"/>
+              <a:t>STACK:   A </a:t>
+            </a:r>
+            <a:r>
+              <a:rPr lang="en-US" sz="3200" b="1" dirty="0">
+                <a:solidFill>
+                  <a:srgbClr val="00B050"/>
+                </a:solidFill>
+              </a:rPr>
+              <a:t>B</a:t>
+            </a:r>
+          </a:p>
+        </p:txBody>
+      </p:sp>
+      <p:sp>
+        <p:nvSpPr>
+          <p:cNvPr id="10" name="TextBox 9"/>
+          <p:cNvSpPr txBox="1"/>
+          <p:nvPr/>
+        </p:nvSpPr>
+        <p:spPr>
+          <a:xfrm>
+            <a:off x="2253805" y="1936556"/>
+            <a:ext cx="1867436" cy="461665"/>
+          </a:xfrm>
+          <a:prstGeom prst="rect">
+            <a:avLst/>
+          </a:prstGeom>
+          <a:noFill/>
+        </p:spPr>
+        <p:txBody>
+          <a:bodyPr wrap="square" rtlCol="0">
+            <a:spAutoFit/>
+          </a:bodyPr>
+          <a:lstStyle/>
+          <a:p>
+            <a:pPr algn="r"/>
+            <a:r>
+              <a:rPr lang="en-US" sz="2400" dirty="0"/>
+              <a:t>Push </a:t>
+            </a:r>
+            <a:r>
+              <a:rPr lang="en-US" sz="2400" b="1" dirty="0"/>
+              <a:t>B</a:t>
+            </a:r>
+          </a:p>
+        </p:txBody>
+      </p:sp>
+      <p:sp>
+        <p:nvSpPr>
+          <p:cNvPr id="11" name="TextBox 10"/>
+          <p:cNvSpPr txBox="1"/>
+          <p:nvPr/>
+        </p:nvSpPr>
+        <p:spPr>
+          <a:xfrm>
+            <a:off x="4700790" y="2582929"/>
+            <a:ext cx="6027312" cy="584775"/>
+          </a:xfrm>
+          <a:prstGeom prst="rect">
+            <a:avLst/>
+          </a:prstGeom>
+          <a:noFill/>
+        </p:spPr>
+        <p:txBody>
+          <a:bodyPr wrap="square" rtlCol="0">
+            <a:spAutoFit/>
+          </a:bodyPr>
+          <a:lstStyle/>
+          <a:p>
+            <a:r>
+              <a:rPr lang="en-US" sz="3200" b="1" dirty="0"/>
+              <a:t>STACK:   A B </a:t>
+            </a:r>
+            <a:r>
+              <a:rPr lang="en-US" sz="3200" b="1" dirty="0">
+                <a:solidFill>
+                  <a:srgbClr val="00B050"/>
+                </a:solidFill>
+              </a:rPr>
+              <a:t>C</a:t>
+            </a:r>
+          </a:p>
+        </p:txBody>
+      </p:sp>
+      <p:sp>
+        <p:nvSpPr>
+          <p:cNvPr id="12" name="TextBox 11"/>
+          <p:cNvSpPr txBox="1"/>
+          <p:nvPr/>
+        </p:nvSpPr>
+        <p:spPr>
+          <a:xfrm>
+            <a:off x="2253805" y="2613662"/>
+            <a:ext cx="1867436" cy="461665"/>
+          </a:xfrm>
+          <a:prstGeom prst="rect">
+            <a:avLst/>
+          </a:prstGeom>
+          <a:noFill/>
+        </p:spPr>
+        <p:txBody>
+          <a:bodyPr wrap="square" rtlCol="0">
+            <a:spAutoFit/>
+          </a:bodyPr>
+          <a:lstStyle/>
+          <a:p>
+            <a:pPr algn="r"/>
+            <a:r>
+              <a:rPr lang="en-US" sz="2400" dirty="0"/>
+              <a:t>Push </a:t>
+            </a:r>
+            <a:r>
+              <a:rPr lang="en-US" sz="2400" b="1" dirty="0"/>
+              <a:t>C</a:t>
+            </a:r>
+          </a:p>
+        </p:txBody>
+      </p:sp>
+      <p:sp>
+        <p:nvSpPr>
+          <p:cNvPr id="13" name="TextBox 12"/>
+          <p:cNvSpPr txBox="1"/>
+          <p:nvPr/>
+        </p:nvSpPr>
+        <p:spPr>
+          <a:xfrm>
+            <a:off x="4700790" y="3235691"/>
+            <a:ext cx="6027312" cy="584775"/>
+          </a:xfrm>
+          <a:prstGeom prst="rect">
+            <a:avLst/>
+          </a:prstGeom>
+          <a:noFill/>
+        </p:spPr>
+        <p:txBody>
+          <a:bodyPr wrap="square" rtlCol="0">
+            <a:spAutoFit/>
+          </a:bodyPr>
+          <a:lstStyle/>
+          <a:p>
+            <a:r>
+              <a:rPr lang="en-US" sz="3200" b="1" dirty="0"/>
+              <a:t>STACK:   A B</a:t>
+            </a:r>
             <a:endParaRPr lang="en-US" sz="3200" b="1" dirty="0">
               <a:solidFill>
                 <a:srgbClr val="00B050"/>
@@ -3075,13 +3257,13 @@
       </p:sp>
       <p:sp>
         <p:nvSpPr>
-          <p:cNvPr id="8" name="TextBox 7"/>
+          <p:cNvPr id="14" name="TextBox 13"/>
           <p:cNvSpPr txBox="1"/>
           <p:nvPr/>
         </p:nvSpPr>
         <p:spPr>
           <a:xfrm>
-            <a:off x="2253805" y="1259450"/>
+            <a:off x="2253805" y="3266424"/>
             <a:ext cx="1867436" cy="461665"/>
           </a:xfrm>
           <a:prstGeom prst="rect">
@@ -3097,26 +3279,21 @@
           <a:p>
             <a:pPr algn="r"/>
             <a:r>
-              <a:rPr lang="en-US" sz="2400" dirty="0" smtClean="0"/>
-              <a:t>Push </a:t>
-            </a:r>
-            <a:r>
-              <a:rPr lang="en-US" sz="2400" b="1" dirty="0" smtClean="0"/>
-              <a:t>A</a:t>
-            </a:r>
-            <a:endParaRPr lang="en-US" sz="2400" b="1" dirty="0"/>
-          </a:p>
-        </p:txBody>
-      </p:sp>
-      <p:sp>
-        <p:nvSpPr>
-          <p:cNvPr id="9" name="TextBox 8"/>
+              <a:rPr lang="en-US" sz="2400" dirty="0"/>
+              <a:t>Pop</a:t>
+            </a:r>
+          </a:p>
+        </p:txBody>
+      </p:sp>
+      <p:sp>
+        <p:nvSpPr>
+          <p:cNvPr id="15" name="TextBox 14"/>
           <p:cNvSpPr txBox="1"/>
           <p:nvPr/>
         </p:nvSpPr>
         <p:spPr>
           <a:xfrm>
-            <a:off x="4700790" y="1905823"/>
+            <a:off x="4700790" y="3897388"/>
             <a:ext cx="6027312" cy="584775"/>
           </a:xfrm>
           <a:prstGeom prst="rect">
@@ -3131,16 +3308,79 @@
           <a:lstStyle/>
           <a:p>
             <a:r>
-              <a:rPr lang="en-US" sz="3200" b="1" dirty="0" smtClean="0"/>
-              <a:t>STACK:   A </a:t>
-            </a:r>
-            <a:r>
-              <a:rPr lang="en-US" sz="3200" b="1" dirty="0" smtClean="0">
+              <a:rPr lang="en-US" sz="3200" b="1" dirty="0"/>
+              <a:t>STACK:   A B </a:t>
+            </a:r>
+            <a:r>
+              <a:rPr lang="en-US" sz="3200" b="1" dirty="0">
                 <a:solidFill>
                   <a:srgbClr val="00B050"/>
                 </a:solidFill>
               </a:rPr>
-              <a:t>B</a:t>
+              <a:t>D</a:t>
+            </a:r>
+          </a:p>
+        </p:txBody>
+      </p:sp>
+      <p:sp>
+        <p:nvSpPr>
+          <p:cNvPr id="16" name="TextBox 15"/>
+          <p:cNvSpPr txBox="1"/>
+          <p:nvPr/>
+        </p:nvSpPr>
+        <p:spPr>
+          <a:xfrm>
+            <a:off x="2253805" y="3928121"/>
+            <a:ext cx="1867436" cy="461665"/>
+          </a:xfrm>
+          <a:prstGeom prst="rect">
+            <a:avLst/>
+          </a:prstGeom>
+          <a:noFill/>
+        </p:spPr>
+        <p:txBody>
+          <a:bodyPr wrap="square" rtlCol="0">
+            <a:spAutoFit/>
+          </a:bodyPr>
+          <a:lstStyle/>
+          <a:p>
+            <a:pPr algn="r"/>
+            <a:r>
+              <a:rPr lang="en-US" sz="2400"/>
+              <a:t>Push </a:t>
+            </a:r>
+            <a:r>
+              <a:rPr lang="en-US" sz="2400" b="1" dirty="0"/>
+              <a:t>D</a:t>
+            </a:r>
+          </a:p>
+        </p:txBody>
+      </p:sp>
+      <p:sp>
+        <p:nvSpPr>
+          <p:cNvPr id="17" name="TextBox 16"/>
+          <p:cNvSpPr txBox="1"/>
+          <p:nvPr/>
+        </p:nvSpPr>
+        <p:spPr>
+          <a:xfrm>
+            <a:off x="4700790" y="4505258"/>
+            <a:ext cx="6027312" cy="584775"/>
+          </a:xfrm>
+          <a:prstGeom prst="rect">
+            <a:avLst/>
+          </a:prstGeom>
+          <a:noFill/>
+        </p:spPr>
+        <p:txBody>
+          <a:bodyPr wrap="square" rtlCol="0">
+            <a:spAutoFit/>
+          </a:bodyPr>
+          <a:lstStyle/>
+          <a:p>
+            <a:r>
+              <a:rPr lang="en-US" sz="3200" b="1" dirty="0"/>
+              <a:t>STACK:   A B</a:t>
             </a:r>
             <a:endParaRPr lang="en-US" sz="3200" b="1" dirty="0">
               <a:solidFill>
@@ -3152,13 +3392,13 @@
       </p:sp>
       <p:sp>
         <p:nvSpPr>
-          <p:cNvPr id="10" name="TextBox 9"/>
+          <p:cNvPr id="18" name="TextBox 17"/>
           <p:cNvSpPr txBox="1"/>
           <p:nvPr/>
         </p:nvSpPr>
         <p:spPr>
           <a:xfrm>
-            <a:off x="2253805" y="1936556"/>
+            <a:off x="2253805" y="4535991"/>
             <a:ext cx="1867436" cy="461665"/>
           </a:xfrm>
           <a:prstGeom prst="rect">
@@ -3174,26 +3414,21 @@
           <a:p>
             <a:pPr algn="r"/>
             <a:r>
-              <a:rPr lang="en-US" sz="2400" dirty="0" smtClean="0"/>
-              <a:t>Push </a:t>
-            </a:r>
-            <a:r>
-              <a:rPr lang="en-US" sz="2400" b="1" dirty="0" smtClean="0"/>
-              <a:t>B</a:t>
-            </a:r>
-            <a:endParaRPr lang="en-US" sz="2400" b="1" dirty="0"/>
-          </a:p>
-        </p:txBody>
-      </p:sp>
-      <p:sp>
-        <p:nvSpPr>
-          <p:cNvPr id="11" name="TextBox 10"/>
+              <a:rPr lang="en-US" sz="2400" dirty="0"/>
+              <a:t>Pop</a:t>
+            </a:r>
+          </a:p>
+        </p:txBody>
+      </p:sp>
+      <p:sp>
+        <p:nvSpPr>
+          <p:cNvPr id="19" name="TextBox 18"/>
           <p:cNvSpPr txBox="1"/>
           <p:nvPr/>
         </p:nvSpPr>
         <p:spPr>
           <a:xfrm>
-            <a:off x="4700790" y="2582929"/>
+            <a:off x="4700790" y="5136222"/>
             <a:ext cx="6027312" cy="584775"/>
           </a:xfrm>
           <a:prstGeom prst="rect">
@@ -3208,16 +3443,8 @@
           <a:lstStyle/>
           <a:p>
             <a:r>
-              <a:rPr lang="en-US" sz="3200" b="1" dirty="0" smtClean="0"/>
-              <a:t>STACK:   A B </a:t>
-            </a:r>
-            <a:r>
-              <a:rPr lang="en-US" sz="3200" b="1" dirty="0" smtClean="0">
-                <a:solidFill>
-                  <a:srgbClr val="00B050"/>
-                </a:solidFill>
-              </a:rPr>
-              <a:t>C</a:t>
+              <a:rPr lang="en-US" sz="3200" b="1" dirty="0"/>
+              <a:t>STACK:   A</a:t>
             </a:r>
             <a:endParaRPr lang="en-US" sz="3200" b="1" dirty="0">
               <a:solidFill>
@@ -3229,13 +3456,13 @@
       </p:sp>
       <p:sp>
         <p:nvSpPr>
-          <p:cNvPr id="12" name="TextBox 11"/>
+          <p:cNvPr id="20" name="TextBox 19"/>
           <p:cNvSpPr txBox="1"/>
           <p:nvPr/>
         </p:nvSpPr>
         <p:spPr>
           <a:xfrm>
-            <a:off x="2253805" y="2613662"/>
+            <a:off x="2253805" y="5166955"/>
             <a:ext cx="1867436" cy="461665"/>
           </a:xfrm>
           <a:prstGeom prst="rect">
@@ -3251,26 +3478,21 @@
           <a:p>
             <a:pPr algn="r"/>
             <a:r>
-              <a:rPr lang="en-US" sz="2400" dirty="0" smtClean="0"/>
-              <a:t>Push </a:t>
-            </a:r>
-            <a:r>
-              <a:rPr lang="en-US" sz="2400" b="1" dirty="0" smtClean="0"/>
-              <a:t>C</a:t>
-            </a:r>
-            <a:endParaRPr lang="en-US" sz="2400" b="1" dirty="0"/>
-          </a:p>
-        </p:txBody>
-      </p:sp>
-      <p:sp>
-        <p:nvSpPr>
-          <p:cNvPr id="13" name="TextBox 12"/>
+              <a:rPr lang="en-US" sz="2400" dirty="0"/>
+              <a:t>Pop</a:t>
+            </a:r>
+          </a:p>
+        </p:txBody>
+      </p:sp>
+      <p:sp>
+        <p:nvSpPr>
+          <p:cNvPr id="21" name="TextBox 20"/>
           <p:cNvSpPr txBox="1"/>
           <p:nvPr/>
         </p:nvSpPr>
         <p:spPr>
           <a:xfrm>
-            <a:off x="4700790" y="3235691"/>
+            <a:off x="4700790" y="5751730"/>
             <a:ext cx="6027312" cy="584775"/>
           </a:xfrm>
           <a:prstGeom prst="rect">
@@ -3285,8 +3507,8 @@
           <a:lstStyle/>
           <a:p>
             <a:r>
-              <a:rPr lang="en-US" sz="3200" b="1" dirty="0" smtClean="0"/>
-              <a:t>STACK:   A B</a:t>
+              <a:rPr lang="en-US" sz="3200" b="1" dirty="0"/>
+              <a:t>STACK:   &lt;empty&gt;</a:t>
             </a:r>
             <a:endParaRPr lang="en-US" sz="3200" b="1" dirty="0">
               <a:solidFill>
@@ -3298,13 +3520,13 @@
       </p:sp>
       <p:sp>
         <p:nvSpPr>
-          <p:cNvPr id="14" name="TextBox 13"/>
+          <p:cNvPr id="22" name="TextBox 21"/>
           <p:cNvSpPr txBox="1"/>
           <p:nvPr/>
         </p:nvSpPr>
         <p:spPr>
           <a:xfrm>
-            <a:off x="2253805" y="3266424"/>
+            <a:off x="2253805" y="5782463"/>
             <a:ext cx="1867436" cy="461665"/>
           </a:xfrm>
           <a:prstGeom prst="rect">
@@ -3320,282 +3542,9 @@
           <a:p>
             <a:pPr algn="r"/>
             <a:r>
-              <a:rPr lang="en-US" sz="2400" dirty="0" smtClean="0"/>
+              <a:rPr lang="en-US" sz="2400" dirty="0"/>
               <a:t>Pop</a:t>
             </a:r>
-            <a:endParaRPr lang="en-US" sz="2400" dirty="0"/>
-          </a:p>
-        </p:txBody>
-      </p:sp>
-      <p:sp>
-        <p:nvSpPr>
-          <p:cNvPr id="15" name="TextBox 14"/>
-          <p:cNvSpPr txBox="1"/>
-          <p:nvPr/>
-        </p:nvSpPr>
-        <p:spPr>
-          <a:xfrm>
-            <a:off x="4700790" y="3897388"/>
-            <a:ext cx="6027312" cy="584775"/>
-          </a:xfrm>
-          <a:prstGeom prst="rect">
-            <a:avLst/>
-          </a:prstGeom>
-          <a:noFill/>
-        </p:spPr>
-        <p:txBody>
-          <a:bodyPr wrap="square" rtlCol="0">
-            <a:spAutoFit/>
-          </a:bodyPr>
-          <a:lstStyle/>
-          <a:p>
-            <a:r>
-              <a:rPr lang="en-US" sz="3200" b="1" dirty="0" smtClean="0"/>
-              <a:t>STACK:   A B </a:t>
-            </a:r>
-            <a:r>
-              <a:rPr lang="en-US" sz="3200" b="1" dirty="0" smtClean="0">
-                <a:solidFill>
-                  <a:srgbClr val="00B050"/>
-                </a:solidFill>
-              </a:rPr>
-              <a:t>D</a:t>
-            </a:r>
-            <a:endParaRPr lang="en-US" sz="3200" b="1" dirty="0">
-              <a:solidFill>
-                <a:srgbClr val="00B050"/>
-              </a:solidFill>
-            </a:endParaRPr>
-          </a:p>
-        </p:txBody>
-      </p:sp>
-      <p:sp>
-        <p:nvSpPr>
-          <p:cNvPr id="16" name="TextBox 15"/>
-          <p:cNvSpPr txBox="1"/>
-          <p:nvPr/>
-        </p:nvSpPr>
-        <p:spPr>
-          <a:xfrm>
-            <a:off x="2253805" y="3928121"/>
-            <a:ext cx="1867436" cy="461665"/>
-          </a:xfrm>
-          <a:prstGeom prst="rect">
-            <a:avLst/>
-          </a:prstGeom>
-          <a:noFill/>
-        </p:spPr>
-        <p:txBody>
-          <a:bodyPr wrap="square" rtlCol="0">
-            <a:spAutoFit/>
-          </a:bodyPr>
-          <a:lstStyle/>
-          <a:p>
-            <a:pPr algn="r"/>
-            <a:r>
-              <a:rPr lang="en-US" sz="2400" smtClean="0"/>
-              <a:t>Push </a:t>
-            </a:r>
-            <a:r>
-              <a:rPr lang="en-US" sz="2400" b="1" dirty="0" smtClean="0"/>
-              <a:t>D</a:t>
-            </a:r>
-            <a:endParaRPr lang="en-US" sz="2400" b="1" dirty="0"/>
-          </a:p>
-        </p:txBody>
-      </p:sp>
-      <p:sp>
-        <p:nvSpPr>
-          <p:cNvPr id="17" name="TextBox 16"/>
-          <p:cNvSpPr txBox="1"/>
-          <p:nvPr/>
-        </p:nvSpPr>
-        <p:spPr>
-          <a:xfrm>
-            <a:off x="4700790" y="4505258"/>
-            <a:ext cx="6027312" cy="584775"/>
-          </a:xfrm>
-          <a:prstGeom prst="rect">
-            <a:avLst/>
-          </a:prstGeom>
-          <a:noFill/>
-        </p:spPr>
-        <p:txBody>
-          <a:bodyPr wrap="square" rtlCol="0">
-            <a:spAutoFit/>
-          </a:bodyPr>
-          <a:lstStyle/>
-          <a:p>
-            <a:r>
-              <a:rPr lang="en-US" sz="3200" b="1" dirty="0" smtClean="0"/>
-              <a:t>STACK:   A B</a:t>
-            </a:r>
-            <a:endParaRPr lang="en-US" sz="3200" b="1" dirty="0">
-              <a:solidFill>
-                <a:srgbClr val="00B050"/>
-              </a:solidFill>
-            </a:endParaRPr>
-          </a:p>
-        </p:txBody>
-      </p:sp>
-      <p:sp>
-        <p:nvSpPr>
-          <p:cNvPr id="18" name="TextBox 17"/>
-          <p:cNvSpPr txBox="1"/>
-          <p:nvPr/>
-        </p:nvSpPr>
-        <p:spPr>
-          <a:xfrm>
-            <a:off x="2253805" y="4535991"/>
-            <a:ext cx="1867436" cy="461665"/>
-          </a:xfrm>
-          <a:prstGeom prst="rect">
-            <a:avLst/>
-          </a:prstGeom>
-          <a:noFill/>
-        </p:spPr>
-        <p:txBody>
-          <a:bodyPr wrap="square" rtlCol="0">
-            <a:spAutoFit/>
-          </a:bodyPr>
-          <a:lstStyle/>
-          <a:p>
-            <a:pPr algn="r"/>
-            <a:r>
-              <a:rPr lang="en-US" sz="2400" dirty="0" smtClean="0"/>
-              <a:t>Pop</a:t>
-            </a:r>
-            <a:endParaRPr lang="en-US" sz="2400" dirty="0"/>
-          </a:p>
-        </p:txBody>
-      </p:sp>
-      <p:sp>
-        <p:nvSpPr>
-          <p:cNvPr id="19" name="TextBox 18"/>
-          <p:cNvSpPr txBox="1"/>
-          <p:nvPr/>
-        </p:nvSpPr>
-        <p:spPr>
-          <a:xfrm>
-            <a:off x="4700790" y="5136222"/>
-            <a:ext cx="6027312" cy="584775"/>
-          </a:xfrm>
-          <a:prstGeom prst="rect">
-            <a:avLst/>
-          </a:prstGeom>
-          <a:noFill/>
-        </p:spPr>
-        <p:txBody>
-          <a:bodyPr wrap="square" rtlCol="0">
-            <a:spAutoFit/>
-          </a:bodyPr>
-          <a:lstStyle/>
-          <a:p>
-            <a:r>
-              <a:rPr lang="en-US" sz="3200" b="1" dirty="0" smtClean="0"/>
-              <a:t>STACK:   A</a:t>
-            </a:r>
-            <a:endParaRPr lang="en-US" sz="3200" b="1" dirty="0">
-              <a:solidFill>
-                <a:srgbClr val="00B050"/>
-              </a:solidFill>
-            </a:endParaRPr>
-          </a:p>
-        </p:txBody>
-      </p:sp>
-      <p:sp>
-        <p:nvSpPr>
-          <p:cNvPr id="20" name="TextBox 19"/>
-          <p:cNvSpPr txBox="1"/>
-          <p:nvPr/>
-        </p:nvSpPr>
-        <p:spPr>
-          <a:xfrm>
-            <a:off x="2253805" y="5166955"/>
-            <a:ext cx="1867436" cy="461665"/>
-          </a:xfrm>
-          <a:prstGeom prst="rect">
-            <a:avLst/>
-          </a:prstGeom>
-          <a:noFill/>
-        </p:spPr>
-        <p:txBody>
-          <a:bodyPr wrap="square" rtlCol="0">
-            <a:spAutoFit/>
-          </a:bodyPr>
-          <a:lstStyle/>
-          <a:p>
-            <a:pPr algn="r"/>
-            <a:r>
-              <a:rPr lang="en-US" sz="2400" dirty="0" smtClean="0"/>
-              <a:t>Pop</a:t>
-            </a:r>
-            <a:endParaRPr lang="en-US" sz="2400" dirty="0"/>
-          </a:p>
-        </p:txBody>
-      </p:sp>
-      <p:sp>
-        <p:nvSpPr>
-          <p:cNvPr id="21" name="TextBox 20"/>
-          <p:cNvSpPr txBox="1"/>
-          <p:nvPr/>
-        </p:nvSpPr>
-        <p:spPr>
-          <a:xfrm>
-            <a:off x="4700790" y="5751730"/>
-            <a:ext cx="6027312" cy="584775"/>
-          </a:xfrm>
-          <a:prstGeom prst="rect">
-            <a:avLst/>
-          </a:prstGeom>
-          <a:noFill/>
-        </p:spPr>
-        <p:txBody>
-          <a:bodyPr wrap="square" rtlCol="0">
-            <a:spAutoFit/>
-          </a:bodyPr>
-          <a:lstStyle/>
-          <a:p>
-            <a:r>
-              <a:rPr lang="en-US" sz="3200" b="1" dirty="0" smtClean="0"/>
-              <a:t>STACK:   &lt;empty&gt;</a:t>
-            </a:r>
-            <a:endParaRPr lang="en-US" sz="3200" b="1" dirty="0">
-              <a:solidFill>
-                <a:srgbClr val="00B050"/>
-              </a:solidFill>
-            </a:endParaRPr>
-          </a:p>
-        </p:txBody>
-      </p:sp>
-      <p:sp>
-        <p:nvSpPr>
-          <p:cNvPr id="22" name="TextBox 21"/>
-          <p:cNvSpPr txBox="1"/>
-          <p:nvPr/>
-        </p:nvSpPr>
-        <p:spPr>
-          <a:xfrm>
-            <a:off x="2253805" y="5782463"/>
-            <a:ext cx="1867436" cy="461665"/>
-          </a:xfrm>
-          <a:prstGeom prst="rect">
-            <a:avLst/>
-          </a:prstGeom>
-          <a:noFill/>
-        </p:spPr>
-        <p:txBody>
-          <a:bodyPr wrap="square" rtlCol="0">
-            <a:spAutoFit/>
-          </a:bodyPr>
-          <a:lstStyle/>
-          <a:p>
-            <a:pPr algn="r"/>
-            <a:r>
-              <a:rPr lang="en-US" sz="2400" dirty="0" smtClean="0"/>
-              <a:t>Pop</a:t>
-            </a:r>
-            <a:endParaRPr lang="en-US" sz="2400" dirty="0"/>
           </a:p>
         </p:txBody>
       </p:sp>
@@ -3638,7 +3587,7 @@
           <p:nvPr>
             <p:extLst>
               <p:ext uri="{D42A27DB-BD31-4B8C-83A1-F6EECF244321}">
-                <p14:modId xmlns:p14="http://schemas.microsoft.com/office/powerpoint/2010/main" val="203083589"/>
+                <p14:modId xmlns:p14="http://schemas.microsoft.com/office/powerpoint/2010/main" val="2377385556"/>
               </p:ext>
             </p:extLst>
           </p:nvPr>
@@ -3654,7 +3603,13 @@
                 <a:tableStyleId>{5C22544A-7EE6-4342-B048-85BDC9FD1C3A}</a:tableStyleId>
               </a:tblPr>
               <a:tblGrid>
-                <a:gridCol w="825500"/>
+                <a:gridCol w="825500">
+                  <a:extLst>
+                    <a:ext uri="{9D8B030D-6E8A-4147-A177-3AD203B41FA5}">
+                      <a16:colId xmlns:a16="http://schemas.microsoft.com/office/drawing/2014/main" val="20000"/>
+                    </a:ext>
+                  </a:extLst>
+                </a:gridCol>
               </a:tblGrid>
               <a:tr h="370840">
                 <a:tc>
@@ -3664,18 +3619,13 @@
                     <a:p>
                       <a:pPr algn="ctr"/>
                       <a:r>
-                        <a:rPr lang="en-US" dirty="0" smtClean="0">
+                        <a:rPr lang="en-US" dirty="0">
                           <a:solidFill>
                             <a:srgbClr val="00B050"/>
                           </a:solidFill>
                         </a:rPr>
                         <a:t>N</a:t>
                       </a:r>
-                      <a:endParaRPr lang="en-US" dirty="0">
-                        <a:solidFill>
-                          <a:srgbClr val="00B050"/>
-                        </a:solidFill>
-                      </a:endParaRPr>
                     </a:p>
                   </a:txBody>
                   <a:tcPr>
@@ -3718,6 +3668,11 @@
                     <a:noFill/>
                   </a:tcPr>
                 </a:tc>
+                <a:extLst>
+                  <a:ext uri="{0D108BD9-81ED-4DB2-BD59-A6C34878D82A}">
+                    <a16:rowId xmlns:a16="http://schemas.microsoft.com/office/drawing/2014/main" val="10000"/>
+                  </a:ext>
+                </a:extLst>
               </a:tr>
             </a:tbl>
           </a:graphicData>
@@ -3818,10 +3773,9 @@
           <a:p>
             <a:pPr algn="ctr"/>
             <a:r>
-              <a:rPr lang="en-US" smtClean="0"/>
+              <a:rPr lang="en-US"/>
               <a:t>Empty</a:t>
             </a:r>
-            <a:endParaRPr lang="en-US"/>
           </a:p>
         </p:txBody>
       </p:sp>
@@ -3833,8 +3787,8 @@
         </p:nvSpPr>
         <p:spPr>
           <a:xfrm>
-            <a:off x="1657350" y="2827351"/>
-            <a:ext cx="902970" cy="369332"/>
+            <a:off x="1591310" y="2827351"/>
+            <a:ext cx="1083310" cy="369332"/>
           </a:xfrm>
           <a:prstGeom prst="rect">
             <a:avLst/>
@@ -3849,14 +3803,13 @@
           <a:p>
             <a:pPr algn="ctr"/>
             <a:r>
-              <a:rPr lang="en-US" dirty="0" smtClean="0"/>
+              <a:rPr lang="en-US" dirty="0"/>
               <a:t>Push </a:t>
             </a:r>
             <a:r>
-              <a:rPr lang="en-US" b="1" dirty="0" smtClean="0"/>
+              <a:rPr lang="en-US" b="1" dirty="0"/>
               <a:t>N</a:t>
             </a:r>
-            <a:endParaRPr lang="en-US" b="1" dirty="0"/>
           </a:p>
         </p:txBody>
       </p:sp>
@@ -3869,7 +3822,7 @@
           <p:nvPr>
             <p:extLst>
               <p:ext uri="{D42A27DB-BD31-4B8C-83A1-F6EECF244321}">
-                <p14:modId xmlns:p14="http://schemas.microsoft.com/office/powerpoint/2010/main" val="882592250"/>
+                <p14:modId xmlns:p14="http://schemas.microsoft.com/office/powerpoint/2010/main" val="2468071673"/>
               </p:ext>
             </p:extLst>
           </p:nvPr>
@@ -3885,7 +3838,13 @@
                 <a:tableStyleId>{5C22544A-7EE6-4342-B048-85BDC9FD1C3A}</a:tableStyleId>
               </a:tblPr>
               <a:tblGrid>
-                <a:gridCol w="825500"/>
+                <a:gridCol w="825500">
+                  <a:extLst>
+                    <a:ext uri="{9D8B030D-6E8A-4147-A177-3AD203B41FA5}">
+                      <a16:colId xmlns:a16="http://schemas.microsoft.com/office/drawing/2014/main" val="20000"/>
+                    </a:ext>
+                  </a:extLst>
+                </a:gridCol>
               </a:tblGrid>
               <a:tr h="370840">
                 <a:tc>
@@ -3895,18 +3854,13 @@
                     <a:p>
                       <a:pPr algn="ctr"/>
                       <a:r>
-                        <a:rPr lang="en-US" dirty="0" smtClean="0">
+                        <a:rPr lang="en-US" dirty="0">
                           <a:solidFill>
                             <a:srgbClr val="00B050"/>
                           </a:solidFill>
                         </a:rPr>
                         <a:t>M</a:t>
                       </a:r>
-                      <a:endParaRPr lang="en-US" dirty="0">
-                        <a:solidFill>
-                          <a:srgbClr val="00B050"/>
-                        </a:solidFill>
-                      </a:endParaRPr>
                     </a:p>
                   </a:txBody>
                   <a:tcPr>
@@ -3949,6 +3903,11 @@
                     <a:noFill/>
                   </a:tcPr>
                 </a:tc>
+                <a:extLst>
+                  <a:ext uri="{0D108BD9-81ED-4DB2-BD59-A6C34878D82A}">
+                    <a16:rowId xmlns:a16="http://schemas.microsoft.com/office/drawing/2014/main" val="10000"/>
+                  </a:ext>
+                </a:extLst>
               </a:tr>
               <a:tr h="370840">
                 <a:tc>
@@ -3958,18 +3917,13 @@
                     <a:p>
                       <a:pPr algn="ctr"/>
                       <a:r>
-                        <a:rPr lang="en-US" b="1" dirty="0" smtClean="0">
+                        <a:rPr lang="en-US" b="1" dirty="0">
                           <a:solidFill>
                             <a:schemeClr val="tx1"/>
                           </a:solidFill>
                         </a:rPr>
                         <a:t>N</a:t>
                       </a:r>
-                      <a:endParaRPr lang="en-US" b="1" dirty="0">
-                        <a:solidFill>
-                          <a:schemeClr val="tx1"/>
-                        </a:solidFill>
-                      </a:endParaRPr>
                     </a:p>
                   </a:txBody>
                   <a:tcPr>
@@ -4012,6 +3966,11 @@
                     <a:noFill/>
                   </a:tcPr>
                 </a:tc>
+                <a:extLst>
+                  <a:ext uri="{0D108BD9-81ED-4DB2-BD59-A6C34878D82A}">
+                    <a16:rowId xmlns:a16="http://schemas.microsoft.com/office/drawing/2014/main" val="10001"/>
+                  </a:ext>
+                </a:extLst>
               </a:tr>
             </a:tbl>
           </a:graphicData>
@@ -4061,8 +4020,8 @@
         </p:nvSpPr>
         <p:spPr>
           <a:xfrm>
-            <a:off x="3602990" y="2827351"/>
-            <a:ext cx="902970" cy="369332"/>
+            <a:off x="3498850" y="2827351"/>
+            <a:ext cx="1121410" cy="369332"/>
           </a:xfrm>
           <a:prstGeom prst="rect">
             <a:avLst/>
@@ -4077,14 +4036,13 @@
           <a:p>
             <a:pPr algn="ctr"/>
             <a:r>
-              <a:rPr lang="en-US" dirty="0" smtClean="0"/>
+              <a:rPr lang="en-US" dirty="0"/>
               <a:t>Push </a:t>
             </a:r>
             <a:r>
-              <a:rPr lang="en-US" b="1" dirty="0" smtClean="0"/>
+              <a:rPr lang="en-US" b="1" dirty="0"/>
               <a:t>M</a:t>
             </a:r>
-            <a:endParaRPr lang="en-US" b="1" dirty="0"/>
           </a:p>
         </p:txBody>
       </p:sp>
@@ -4097,7 +4055,7 @@
           <p:nvPr>
             <p:extLst>
               <p:ext uri="{D42A27DB-BD31-4B8C-83A1-F6EECF244321}">
-                <p14:modId xmlns:p14="http://schemas.microsoft.com/office/powerpoint/2010/main" val="2102058882"/>
+                <p14:modId xmlns:p14="http://schemas.microsoft.com/office/powerpoint/2010/main" val="344836369"/>
               </p:ext>
             </p:extLst>
           </p:nvPr>
@@ -4113,7 +4071,13 @@
                 <a:tableStyleId>{5C22544A-7EE6-4342-B048-85BDC9FD1C3A}</a:tableStyleId>
               </a:tblPr>
               <a:tblGrid>
-                <a:gridCol w="825500"/>
+                <a:gridCol w="825500">
+                  <a:extLst>
+                    <a:ext uri="{9D8B030D-6E8A-4147-A177-3AD203B41FA5}">
+                      <a16:colId xmlns:a16="http://schemas.microsoft.com/office/drawing/2014/main" val="20000"/>
+                    </a:ext>
+                  </a:extLst>
+                </a:gridCol>
               </a:tblGrid>
               <a:tr h="370840">
                 <a:tc>
@@ -4123,18 +4087,13 @@
                     <a:p>
                       <a:pPr algn="ctr"/>
                       <a:r>
-                        <a:rPr lang="en-US" dirty="0" smtClean="0">
+                        <a:rPr lang="en-US" dirty="0">
                           <a:solidFill>
                             <a:srgbClr val="00B050"/>
                           </a:solidFill>
                         </a:rPr>
                         <a:t>Z</a:t>
                       </a:r>
-                      <a:endParaRPr lang="en-US" dirty="0">
-                        <a:solidFill>
-                          <a:srgbClr val="00B050"/>
-                        </a:solidFill>
-                      </a:endParaRPr>
                     </a:p>
                   </a:txBody>
                   <a:tcPr>
@@ -4177,6 +4136,11 @@
                     <a:noFill/>
                   </a:tcPr>
                 </a:tc>
+                <a:extLst>
+                  <a:ext uri="{0D108BD9-81ED-4DB2-BD59-A6C34878D82A}">
+                    <a16:rowId xmlns:a16="http://schemas.microsoft.com/office/drawing/2014/main" val="10000"/>
+                  </a:ext>
+                </a:extLst>
               </a:tr>
               <a:tr h="370840">
                 <a:tc>
@@ -4186,18 +4150,13 @@
                     <a:p>
                       <a:pPr algn="ctr"/>
                       <a:r>
-                        <a:rPr lang="en-US" b="1" dirty="0" smtClean="0">
+                        <a:rPr lang="en-US" b="1" dirty="0">
                           <a:solidFill>
                             <a:schemeClr val="tx1"/>
                           </a:solidFill>
                         </a:rPr>
                         <a:t>M</a:t>
                       </a:r>
-                      <a:endParaRPr lang="en-US" b="1" dirty="0">
-                        <a:solidFill>
-                          <a:schemeClr val="tx1"/>
-                        </a:solidFill>
-                      </a:endParaRPr>
                     </a:p>
                   </a:txBody>
                   <a:tcPr>
@@ -4240,6 +4199,11 @@
                     <a:noFill/>
                   </a:tcPr>
                 </a:tc>
+                <a:extLst>
+                  <a:ext uri="{0D108BD9-81ED-4DB2-BD59-A6C34878D82A}">
+                    <a16:rowId xmlns:a16="http://schemas.microsoft.com/office/drawing/2014/main" val="10001"/>
+                  </a:ext>
+                </a:extLst>
               </a:tr>
               <a:tr h="370840">
                 <a:tc>
@@ -4249,18 +4213,13 @@
                     <a:p>
                       <a:pPr algn="ctr"/>
                       <a:r>
-                        <a:rPr lang="en-US" b="1" dirty="0" smtClean="0">
+                        <a:rPr lang="en-US" b="1" dirty="0">
                           <a:solidFill>
                             <a:schemeClr val="tx1"/>
                           </a:solidFill>
                         </a:rPr>
                         <a:t>N</a:t>
                       </a:r>
-                      <a:endParaRPr lang="en-US" b="1" dirty="0">
-                        <a:solidFill>
-                          <a:schemeClr val="tx1"/>
-                        </a:solidFill>
-                      </a:endParaRPr>
                     </a:p>
                   </a:txBody>
                   <a:tcPr>
@@ -4303,6 +4262,11 @@
                     <a:noFill/>
                   </a:tcPr>
                 </a:tc>
+                <a:extLst>
+                  <a:ext uri="{0D108BD9-81ED-4DB2-BD59-A6C34878D82A}">
+                    <a16:rowId xmlns:a16="http://schemas.microsoft.com/office/drawing/2014/main" val="10002"/>
+                  </a:ext>
+                </a:extLst>
               </a:tr>
             </a:tbl>
           </a:graphicData>
@@ -4352,8 +4316,8 @@
         </p:nvSpPr>
         <p:spPr>
           <a:xfrm>
-            <a:off x="5548630" y="2827351"/>
-            <a:ext cx="902970" cy="369332"/>
+            <a:off x="5444490" y="2827351"/>
+            <a:ext cx="1121410" cy="369332"/>
           </a:xfrm>
           <a:prstGeom prst="rect">
             <a:avLst/>
@@ -4368,14 +4332,13 @@
           <a:p>
             <a:pPr algn="ctr"/>
             <a:r>
-              <a:rPr lang="en-US" dirty="0" smtClean="0"/>
+              <a:rPr lang="en-US" dirty="0"/>
               <a:t>Push </a:t>
             </a:r>
             <a:r>
-              <a:rPr lang="en-US" b="1" dirty="0" smtClean="0"/>
+              <a:rPr lang="en-US" b="1" dirty="0"/>
               <a:t>Z</a:t>
             </a:r>
-            <a:endParaRPr lang="en-US" b="1" dirty="0"/>
           </a:p>
         </p:txBody>
       </p:sp>
@@ -4423,8 +4386,8 @@
         </p:nvSpPr>
         <p:spPr>
           <a:xfrm>
-            <a:off x="7467600" y="2827351"/>
-            <a:ext cx="902970" cy="369332"/>
+            <a:off x="7390130" y="2827351"/>
+            <a:ext cx="1084580" cy="369332"/>
           </a:xfrm>
           <a:prstGeom prst="rect">
             <a:avLst/>
@@ -4439,7 +4402,7 @@
           <a:p>
             <a:pPr algn="ctr"/>
             <a:r>
-              <a:rPr lang="en-US" dirty="0" smtClean="0"/>
+              <a:rPr lang="en-US" dirty="0"/>
               <a:t>Pop</a:t>
             </a:r>
             <a:endParaRPr lang="en-US" b="1" dirty="0"/>
@@ -4455,7 +4418,7 @@
           <p:nvPr>
             <p:extLst>
               <p:ext uri="{D42A27DB-BD31-4B8C-83A1-F6EECF244321}">
-                <p14:modId xmlns:p14="http://schemas.microsoft.com/office/powerpoint/2010/main" val="147414391"/>
+                <p14:modId xmlns:p14="http://schemas.microsoft.com/office/powerpoint/2010/main" val="3718197602"/>
               </p:ext>
             </p:extLst>
           </p:nvPr>
@@ -4471,7 +4434,13 @@
                 <a:tableStyleId>{5C22544A-7EE6-4342-B048-85BDC9FD1C3A}</a:tableStyleId>
               </a:tblPr>
               <a:tblGrid>
-                <a:gridCol w="825500"/>
+                <a:gridCol w="825500">
+                  <a:extLst>
+                    <a:ext uri="{9D8B030D-6E8A-4147-A177-3AD203B41FA5}">
+                      <a16:colId xmlns:a16="http://schemas.microsoft.com/office/drawing/2014/main" val="20000"/>
+                    </a:ext>
+                  </a:extLst>
+                </a:gridCol>
               </a:tblGrid>
               <a:tr h="370840">
                 <a:tc>
@@ -4481,18 +4450,13 @@
                     <a:p>
                       <a:pPr algn="ctr"/>
                       <a:r>
-                        <a:rPr lang="en-US" dirty="0" smtClean="0">
+                        <a:rPr lang="en-US" dirty="0">
                           <a:solidFill>
                             <a:schemeClr val="tx1"/>
                           </a:solidFill>
                         </a:rPr>
                         <a:t>M</a:t>
                       </a:r>
-                      <a:endParaRPr lang="en-US" dirty="0">
-                        <a:solidFill>
-                          <a:schemeClr val="tx1"/>
-                        </a:solidFill>
-                      </a:endParaRPr>
                     </a:p>
                   </a:txBody>
                   <a:tcPr>
@@ -4535,6 +4499,11 @@
                     <a:noFill/>
                   </a:tcPr>
                 </a:tc>
+                <a:extLst>
+                  <a:ext uri="{0D108BD9-81ED-4DB2-BD59-A6C34878D82A}">
+                    <a16:rowId xmlns:a16="http://schemas.microsoft.com/office/drawing/2014/main" val="10000"/>
+                  </a:ext>
+                </a:extLst>
               </a:tr>
               <a:tr h="370840">
                 <a:tc>
@@ -4544,18 +4513,13 @@
                     <a:p>
                       <a:pPr algn="ctr"/>
                       <a:r>
-                        <a:rPr lang="en-US" b="1" dirty="0" smtClean="0">
+                        <a:rPr lang="en-US" b="1" dirty="0">
                           <a:solidFill>
                             <a:schemeClr val="tx1"/>
                           </a:solidFill>
                         </a:rPr>
                         <a:t>N</a:t>
                       </a:r>
-                      <a:endParaRPr lang="en-US" b="1" dirty="0">
-                        <a:solidFill>
-                          <a:schemeClr val="tx1"/>
-                        </a:solidFill>
-                      </a:endParaRPr>
                     </a:p>
                   </a:txBody>
                   <a:tcPr>
@@ -4598,6 +4562,11 @@
                     <a:noFill/>
                   </a:tcPr>
                 </a:tc>
+                <a:extLst>
+                  <a:ext uri="{0D108BD9-81ED-4DB2-BD59-A6C34878D82A}">
+                    <a16:rowId xmlns:a16="http://schemas.microsoft.com/office/drawing/2014/main" val="10001"/>
+                  </a:ext>
+                </a:extLst>
               </a:tr>
             </a:tbl>
           </a:graphicData>
@@ -4647,8 +4616,8 @@
         </p:nvSpPr>
         <p:spPr>
           <a:xfrm>
-            <a:off x="9451340" y="2827351"/>
-            <a:ext cx="902970" cy="369332"/>
+            <a:off x="9298940" y="2827351"/>
+            <a:ext cx="1158240" cy="369332"/>
           </a:xfrm>
           <a:prstGeom prst="rect">
             <a:avLst/>
@@ -4663,14 +4632,13 @@
           <a:p>
             <a:pPr algn="ctr"/>
             <a:r>
-              <a:rPr lang="en-US" dirty="0" smtClean="0"/>
+              <a:rPr lang="en-US" dirty="0"/>
               <a:t>Push </a:t>
             </a:r>
             <a:r>
-              <a:rPr lang="en-US" b="1" dirty="0" smtClean="0"/>
+              <a:rPr lang="en-US" b="1" dirty="0"/>
               <a:t>Q</a:t>
             </a:r>
-            <a:endParaRPr lang="en-US" b="1" dirty="0"/>
           </a:p>
         </p:txBody>
       </p:sp>
@@ -4683,7 +4651,7 @@
           <p:nvPr>
             <p:extLst>
               <p:ext uri="{D42A27DB-BD31-4B8C-83A1-F6EECF244321}">
-                <p14:modId xmlns:p14="http://schemas.microsoft.com/office/powerpoint/2010/main" val="503534724"/>
+                <p14:modId xmlns:p14="http://schemas.microsoft.com/office/powerpoint/2010/main" val="3700762043"/>
               </p:ext>
             </p:extLst>
           </p:nvPr>
@@ -4699,7 +4667,13 @@
                 <a:tableStyleId>{5C22544A-7EE6-4342-B048-85BDC9FD1C3A}</a:tableStyleId>
               </a:tblPr>
               <a:tblGrid>
-                <a:gridCol w="825500"/>
+                <a:gridCol w="825500">
+                  <a:extLst>
+                    <a:ext uri="{9D8B030D-6E8A-4147-A177-3AD203B41FA5}">
+                      <a16:colId xmlns:a16="http://schemas.microsoft.com/office/drawing/2014/main" val="20000"/>
+                    </a:ext>
+                  </a:extLst>
+                </a:gridCol>
               </a:tblGrid>
               <a:tr h="370840">
                 <a:tc>
@@ -4709,18 +4683,13 @@
                     <a:p>
                       <a:pPr algn="ctr"/>
                       <a:r>
-                        <a:rPr lang="en-US" dirty="0" smtClean="0">
+                        <a:rPr lang="en-US" dirty="0">
                           <a:solidFill>
                             <a:srgbClr val="00B050"/>
                           </a:solidFill>
                         </a:rPr>
                         <a:t>Q</a:t>
                       </a:r>
-                      <a:endParaRPr lang="en-US" dirty="0">
-                        <a:solidFill>
-                          <a:srgbClr val="00B050"/>
-                        </a:solidFill>
-                      </a:endParaRPr>
                     </a:p>
                   </a:txBody>
                   <a:tcPr>
@@ -4763,6 +4732,11 @@
                     <a:noFill/>
                   </a:tcPr>
                 </a:tc>
+                <a:extLst>
+                  <a:ext uri="{0D108BD9-81ED-4DB2-BD59-A6C34878D82A}">
+                    <a16:rowId xmlns:a16="http://schemas.microsoft.com/office/drawing/2014/main" val="10000"/>
+                  </a:ext>
+                </a:extLst>
               </a:tr>
               <a:tr h="370840">
                 <a:tc>
@@ -4772,18 +4746,13 @@
                     <a:p>
                       <a:pPr algn="ctr"/>
                       <a:r>
-                        <a:rPr lang="en-US" b="1" dirty="0" smtClean="0">
+                        <a:rPr lang="en-US" b="1" dirty="0">
                           <a:solidFill>
                             <a:schemeClr val="tx1"/>
                           </a:solidFill>
                         </a:rPr>
                         <a:t>M</a:t>
                       </a:r>
-                      <a:endParaRPr lang="en-US" b="1" dirty="0">
-                        <a:solidFill>
-                          <a:schemeClr val="tx1"/>
-                        </a:solidFill>
-                      </a:endParaRPr>
                     </a:p>
                   </a:txBody>
                   <a:tcPr>
@@ -4826,6 +4795,11 @@
                     <a:noFill/>
                   </a:tcPr>
                 </a:tc>
+                <a:extLst>
+                  <a:ext uri="{0D108BD9-81ED-4DB2-BD59-A6C34878D82A}">
+                    <a16:rowId xmlns:a16="http://schemas.microsoft.com/office/drawing/2014/main" val="10001"/>
+                  </a:ext>
+                </a:extLst>
               </a:tr>
               <a:tr h="370840">
                 <a:tc>
@@ -4835,18 +4809,13 @@
                     <a:p>
                       <a:pPr algn="ctr"/>
                       <a:r>
-                        <a:rPr lang="en-US" b="1" dirty="0" smtClean="0">
+                        <a:rPr lang="en-US" b="1" dirty="0">
                           <a:solidFill>
                             <a:schemeClr val="tx1"/>
                           </a:solidFill>
                         </a:rPr>
                         <a:t>N</a:t>
                       </a:r>
-                      <a:endParaRPr lang="en-US" b="1" dirty="0">
-                        <a:solidFill>
-                          <a:schemeClr val="tx1"/>
-                        </a:solidFill>
-                      </a:endParaRPr>
                     </a:p>
                   </a:txBody>
                   <a:tcPr>
@@ -4889,6 +4858,11 @@
                     <a:noFill/>
                   </a:tcPr>
                 </a:tc>
+                <a:extLst>
+                  <a:ext uri="{0D108BD9-81ED-4DB2-BD59-A6C34878D82A}">
+                    <a16:rowId xmlns:a16="http://schemas.microsoft.com/office/drawing/2014/main" val="10002"/>
+                  </a:ext>
+                </a:extLst>
               </a:tr>
             </a:tbl>
           </a:graphicData>
